--- a/Presentation.pptx
+++ b/Presentation.pptx
@@ -3718,15 +3718,15 @@
         </p:nvPicPr>
         <p:blipFill>
           <a:blip r:embed="rId2"/>
-          <a:srcRect l="0" t="0" r="0" b="0"/>
+          <a:srcRect l="0" t="613" r="0" b="613"/>
           <a:stretch>
             <a:fillRect/>
           </a:stretch>
         </p:blipFill>
         <p:spPr>
           <a:xfrm flipH="false" flipV="false" rot="0">
-            <a:off x="7871498" y="2378403"/>
-            <a:ext cx="9704709" cy="5056664"/>
+            <a:off x="7750946" y="2378403"/>
+            <a:ext cx="9825262" cy="5056664"/>
           </a:xfrm>
           <a:prstGeom prst="rect">
             <a:avLst/>
@@ -3824,44 +3824,6 @@
           </p:txBody>
         </p:sp>
       </p:grpSp>
-      <p:sp>
-        <p:nvSpPr>
-          <p:cNvPr name="TextBox 6" id="6"/>
-          <p:cNvSpPr txBox="true"/>
-          <p:nvPr/>
-        </p:nvSpPr>
-        <p:spPr>
-          <a:xfrm rot="0">
-            <a:off x="1028700" y="1038225"/>
-            <a:ext cx="745514" cy="350744"/>
-          </a:xfrm>
-          <a:prstGeom prst="rect">
-            <a:avLst/>
-          </a:prstGeom>
-        </p:spPr>
-        <p:txBody>
-          <a:bodyPr anchor="t" rtlCol="false" tIns="0" lIns="0" bIns="0" rIns="0">
-            <a:spAutoFit/>
-          </a:bodyPr>
-          <a:lstStyle/>
-          <a:p>
-            <a:pPr>
-              <a:lnSpc>
-                <a:spcPts val="2879"/>
-              </a:lnSpc>
-            </a:pPr>
-            <a:r>
-              <a:rPr lang="en-US" sz="2400">
-                <a:solidFill>
-                  <a:srgbClr val="340D24"/>
-                </a:solidFill>
-                <a:latin typeface="Noto Serif Display Bold"/>
-              </a:rPr>
-              <a:t>01</a:t>
-            </a:r>
-          </a:p>
-        </p:txBody>
-      </p:sp>
     </p:spTree>
   </p:cSld>
   <p:clrMapOvr>
@@ -4104,9 +4066,9 @@
         <p:grpSpPr>
           <a:xfrm rot="0">
             <a:off x="143855" y="433179"/>
-            <a:ext cx="17656681" cy="6149900"/>
+            <a:ext cx="17656681" cy="6307142"/>
             <a:chOff x="0" y="0"/>
-            <a:chExt cx="23542242" cy="8199867"/>
+            <a:chExt cx="23542242" cy="8409523"/>
           </a:xfrm>
         </p:grpSpPr>
         <p:sp>
@@ -4162,8 +4124,8 @@
           </p:nvSpPr>
           <p:spPr>
             <a:xfrm rot="0">
-              <a:off x="0" y="4286441"/>
-              <a:ext cx="20023306" cy="3913425"/>
+              <a:off x="0" y="4276916"/>
+              <a:ext cx="20023306" cy="4132607"/>
             </a:xfrm>
             <a:prstGeom prst="rect">
               <a:avLst/>
@@ -4177,15 +4139,15 @@
             <a:p>
               <a:pPr>
                 <a:lnSpc>
-                  <a:spcPts val="4800"/>
+                  <a:spcPts val="5119"/>
                 </a:lnSpc>
               </a:pPr>
               <a:r>
-                <a:rPr lang="en-US" sz="3000">
+                <a:rPr lang="en-US" sz="3199">
                   <a:solidFill>
                     <a:srgbClr val="340D24"/>
                   </a:solidFill>
-                  <a:latin typeface="Glacial Indifference Bold"/>
+                  <a:latin typeface="Glacial Indifference"/>
                 </a:rPr>
                 <a:t>After looking at the graph,</a:t>
               </a:r>
@@ -4193,15 +4155,15 @@
             <a:p>
               <a:pPr>
                 <a:lnSpc>
-                  <a:spcPts val="4800"/>
+                  <a:spcPts val="5119"/>
                 </a:lnSpc>
               </a:pPr>
               <a:r>
-                <a:rPr lang="en-US" sz="3000">
+                <a:rPr lang="en-US" sz="3199">
                   <a:solidFill>
                     <a:srgbClr val="340D24"/>
                   </a:solidFill>
-                  <a:latin typeface="Glacial Indifference Bold"/>
+                  <a:latin typeface="Glacial Indifference"/>
                 </a:rPr>
                 <a:t>We found that the most popular category with products on</a:t>
               </a:r>
@@ -4209,15 +4171,15 @@
             <a:p>
               <a:pPr>
                 <a:lnSpc>
-                  <a:spcPts val="4800"/>
+                  <a:spcPts val="5119"/>
                 </a:lnSpc>
               </a:pPr>
               <a:r>
-                <a:rPr lang="en-US" sz="3000">
+                <a:rPr lang="en-US" sz="3199">
                   <a:solidFill>
                     <a:srgbClr val="340D24"/>
                   </a:solidFill>
-                  <a:latin typeface="Glacial Indifference Bold"/>
+                  <a:latin typeface="Glacial Indifference"/>
                 </a:rPr>
                 <a:t> Sephora is "perfumes" with approximately 665 products,</a:t>
               </a:r>
@@ -4225,15 +4187,15 @@
             <a:p>
               <a:pPr>
                 <a:lnSpc>
-                  <a:spcPts val="4800"/>
+                  <a:spcPts val="5119"/>
                 </a:lnSpc>
               </a:pPr>
               <a:r>
-                <a:rPr lang="en-US" sz="3000">
+                <a:rPr lang="en-US" sz="3199">
                   <a:solidFill>
                     <a:srgbClr val="340D24"/>
                   </a:solidFill>
-                  <a:latin typeface="Glacial Indifference Bold"/>
+                  <a:latin typeface="Glacial Indifference"/>
                 </a:rPr>
                 <a:t> followed by "Moisturizers" with 451 products</a:t>
               </a:r>
@@ -5120,7 +5082,7 @@
                   </a:solidFill>
                   <a:latin typeface="Glacial Indifference"/>
                 </a:rPr>
-                <a:t>- About the dataset</a:t>
+                <a:t>- About the Dataset &amp; Tools</a:t>
               </a:r>
             </a:p>
             <a:p>
@@ -5538,7 +5500,7 @@
         <p:spPr>
           <a:xfrm rot="0">
             <a:off x="0" y="1379444"/>
-            <a:ext cx="10466493" cy="7662863"/>
+            <a:ext cx="10466493" cy="7525345"/>
           </a:xfrm>
           <a:prstGeom prst="rect">
             <a:avLst/>
@@ -5552,11 +5514,11 @@
           <a:p>
             <a:pPr algn="ctr">
               <a:lnSpc>
-                <a:spcPts val="5022"/>
+                <a:spcPts val="4902"/>
               </a:lnSpc>
             </a:pPr>
             <a:r>
-              <a:rPr lang="en-US" sz="4185">
+              <a:rPr lang="en-US" sz="4085">
                 <a:solidFill>
                   <a:srgbClr val="340D24"/>
                 </a:solidFill>
@@ -5568,18 +5530,18 @@
           <a:p>
             <a:pPr algn="ctr">
               <a:lnSpc>
-                <a:spcPts val="5022"/>
+                <a:spcPts val="4902"/>
               </a:lnSpc>
             </a:pPr>
           </a:p>
           <a:p>
             <a:pPr algn="ctr">
               <a:lnSpc>
-                <a:spcPts val="5022"/>
+                <a:spcPts val="4902"/>
               </a:lnSpc>
             </a:pPr>
             <a:r>
-              <a:rPr lang="en-US" sz="4185">
+              <a:rPr lang="en-US" sz="4085">
                 <a:solidFill>
                   <a:srgbClr val="340D24"/>
                 </a:solidFill>
@@ -5591,18 +5553,18 @@
           <a:p>
             <a:pPr algn="ctr">
               <a:lnSpc>
-                <a:spcPts val="5022"/>
+                <a:spcPts val="4902"/>
               </a:lnSpc>
             </a:pPr>
           </a:p>
           <a:p>
             <a:pPr algn="ctr">
               <a:lnSpc>
-                <a:spcPts val="5022"/>
+                <a:spcPts val="4902"/>
               </a:lnSpc>
             </a:pPr>
             <a:r>
-              <a:rPr lang="en-US" sz="4185">
+              <a:rPr lang="en-US" sz="4085">
                 <a:solidFill>
                   <a:srgbClr val="340D24"/>
                 </a:solidFill>
@@ -5678,9 +5640,9 @@
         <p:grpSpPr>
           <a:xfrm rot="0">
             <a:off x="747411" y="0"/>
-            <a:ext cx="8115300" cy="11605154"/>
+            <a:ext cx="8115300" cy="12047640"/>
             <a:chOff x="0" y="0"/>
-            <a:chExt cx="10820400" cy="15473538"/>
+            <a:chExt cx="10820400" cy="16063520"/>
           </a:xfrm>
         </p:grpSpPr>
         <p:grpSp>
@@ -5691,7 +5653,7 @@
           </p:nvGrpSpPr>
           <p:grpSpPr>
             <a:xfrm rot="0">
-              <a:off x="0" y="14711538"/>
+              <a:off x="0" y="15301520"/>
               <a:ext cx="762000" cy="762000"/>
               <a:chOff x="0" y="0"/>
               <a:chExt cx="6350000" cy="6350000"/>
@@ -5760,7 +5722,7 @@
           </p:nvGrpSpPr>
           <p:grpSpPr>
             <a:xfrm rot="0">
-              <a:off x="248522" y="15020754"/>
+              <a:off x="248522" y="15610736"/>
               <a:ext cx="264956" cy="143568"/>
               <a:chOff x="0" y="0"/>
               <a:chExt cx="937519" cy="508000"/>
@@ -5881,8 +5843,8 @@
           </p:nvSpPr>
           <p:spPr>
             <a:xfrm rot="0">
-              <a:off x="0" y="2245325"/>
-              <a:ext cx="8877532" cy="11176754"/>
+              <a:off x="0" y="2235800"/>
+              <a:ext cx="8877532" cy="11776261"/>
             </a:xfrm>
             <a:prstGeom prst="rect">
               <a:avLst/>
@@ -5896,11 +5858,11 @@
             <a:p>
               <a:pPr>
                 <a:lnSpc>
-                  <a:spcPts val="5120"/>
+                  <a:spcPts val="5439"/>
                 </a:lnSpc>
               </a:pPr>
               <a:r>
-                <a:rPr lang="en-US" sz="3200">
+                <a:rPr lang="en-US" sz="3399">
                   <a:solidFill>
                     <a:srgbClr val="340D24"/>
                   </a:solidFill>
@@ -5912,18 +5874,18 @@
             <a:p>
               <a:pPr>
                 <a:lnSpc>
-                  <a:spcPts val="5120"/>
+                  <a:spcPts val="5439"/>
                 </a:lnSpc>
               </a:pPr>
             </a:p>
             <a:p>
               <a:pPr>
                 <a:lnSpc>
-                  <a:spcPts val="5120"/>
+                  <a:spcPts val="5439"/>
                 </a:lnSpc>
               </a:pPr>
               <a:r>
-                <a:rPr lang="en-US" sz="3200">
+                <a:rPr lang="en-US" sz="3399">
                   <a:solidFill>
                     <a:srgbClr val="340D24"/>
                   </a:solidFill>
@@ -5935,18 +5897,18 @@
             <a:p>
               <a:pPr>
                 <a:lnSpc>
-                  <a:spcPts val="5120"/>
+                  <a:spcPts val="5439"/>
                 </a:lnSpc>
               </a:pPr>
             </a:p>
             <a:p>
               <a:pPr>
                 <a:lnSpc>
-                  <a:spcPts val="5120"/>
+                  <a:spcPts val="5439"/>
                 </a:lnSpc>
               </a:pPr>
               <a:r>
-                <a:rPr lang="en-US" sz="3200">
+                <a:rPr lang="en-US" sz="3399">
                   <a:solidFill>
                     <a:srgbClr val="340D24"/>
                   </a:solidFill>
@@ -5958,18 +5920,18 @@
             <a:p>
               <a:pPr>
                 <a:lnSpc>
-                  <a:spcPts val="5120"/>
+                  <a:spcPts val="5439"/>
                 </a:lnSpc>
               </a:pPr>
             </a:p>
             <a:p>
               <a:pPr>
                 <a:lnSpc>
-                  <a:spcPts val="5120"/>
+                  <a:spcPts val="5439"/>
                 </a:lnSpc>
               </a:pPr>
               <a:r>
-                <a:rPr lang="en-US" sz="3200">
+                <a:rPr lang="en-US" sz="3399">
                   <a:solidFill>
                     <a:srgbClr val="340D24"/>
                   </a:solidFill>
@@ -6053,10 +6015,10 @@
         </p:nvGrpSpPr>
         <p:grpSpPr>
           <a:xfrm rot="0">
-            <a:off x="7047964" y="435504"/>
-            <a:ext cx="9884386" cy="9415992"/>
+            <a:off x="7047964" y="458374"/>
+            <a:ext cx="9884386" cy="9370252"/>
             <a:chOff x="0" y="0"/>
-            <a:chExt cx="13179182" cy="12554656"/>
+            <a:chExt cx="13179182" cy="12493669"/>
           </a:xfrm>
         </p:grpSpPr>
         <p:grpSp>
@@ -6067,7 +6029,7 @@
           </p:nvGrpSpPr>
           <p:grpSpPr>
             <a:xfrm rot="0">
-              <a:off x="0" y="11584431"/>
+              <a:off x="0" y="11523444"/>
               <a:ext cx="970225" cy="970225"/>
               <a:chOff x="0" y="0"/>
               <a:chExt cx="6350000" cy="6350000"/>
@@ -6136,7 +6098,7 @@
           </p:nvGrpSpPr>
           <p:grpSpPr>
             <a:xfrm rot="0">
-              <a:off x="316433" y="11978144"/>
+              <a:off x="316433" y="11917157"/>
               <a:ext cx="337359" cy="182800"/>
               <a:chOff x="0" y="0"/>
               <a:chExt cx="937519" cy="508000"/>
@@ -6229,7 +6191,7 @@
           <p:spPr>
             <a:xfrm rot="0">
               <a:off x="0" y="0"/>
-              <a:ext cx="13179182" cy="1626526"/>
+              <a:ext cx="13179182" cy="1565540"/>
             </a:xfrm>
             <a:prstGeom prst="rect">
               <a:avLst/>
@@ -6243,17 +6205,17 @@
             <a:p>
               <a:pPr algn="l">
                 <a:lnSpc>
-                  <a:spcPts val="9605"/>
+                  <a:spcPts val="9245"/>
                 </a:lnSpc>
               </a:pPr>
               <a:r>
-                <a:rPr lang="en-US" sz="8004">
+                <a:rPr lang="en-US" sz="7704">
                   <a:solidFill>
                     <a:srgbClr val="340D24"/>
                   </a:solidFill>
                   <a:latin typeface="Noto Serif Display Bold"/>
                 </a:rPr>
-                <a:t>SEPHORAWEBSITE</a:t>
+                <a:t>SEPHORA WEBSITE</a:t>
               </a:r>
             </a:p>
           </p:txBody>
@@ -6266,7 +6228,7 @@
           </p:nvSpPr>
           <p:spPr>
             <a:xfrm rot="0">
-              <a:off x="0" y="2752463"/>
+              <a:off x="0" y="2691477"/>
               <a:ext cx="13179182" cy="7612462"/>
             </a:xfrm>
             <a:prstGeom prst="rect">
@@ -6587,8 +6549,8 @@
         </p:nvSpPr>
         <p:spPr>
           <a:xfrm rot="0">
-            <a:off x="231259" y="4297322"/>
-            <a:ext cx="10662683" cy="5698451"/>
+            <a:off x="231259" y="4148653"/>
+            <a:ext cx="10662683" cy="5847120"/>
           </a:xfrm>
           <a:prstGeom prst="rect">
             <a:avLst/>
@@ -6602,11 +6564,11 @@
           <a:p>
             <a:pPr>
               <a:lnSpc>
-                <a:spcPts val="5599"/>
+                <a:spcPts val="5759"/>
               </a:lnSpc>
             </a:pPr>
             <a:r>
-              <a:rPr lang="en-US" sz="3499">
+              <a:rPr lang="en-US" sz="3599">
                 <a:solidFill>
                   <a:srgbClr val="340D24"/>
                 </a:solidFill>
@@ -6618,11 +6580,11 @@
           <a:p>
             <a:pPr>
               <a:lnSpc>
-                <a:spcPts val="5599"/>
+                <a:spcPts val="5759"/>
               </a:lnSpc>
             </a:pPr>
             <a:r>
-              <a:rPr lang="en-US" sz="3499">
+              <a:rPr lang="en-US" sz="3599">
                 <a:solidFill>
                   <a:srgbClr val="340D24"/>
                 </a:solidFill>
@@ -6634,11 +6596,11 @@
           <a:p>
             <a:pPr>
               <a:lnSpc>
-                <a:spcPts val="5599"/>
+                <a:spcPts val="5759"/>
               </a:lnSpc>
             </a:pPr>
             <a:r>
-              <a:rPr lang="en-US" sz="3499">
+              <a:rPr lang="en-US" sz="3599">
                 <a:solidFill>
                   <a:srgbClr val="340D24"/>
                 </a:solidFill>
@@ -6647,7 +6609,7 @@
               <a:t>- </a:t>
             </a:r>
             <a:r>
-              <a:rPr lang="en-US" sz="2191">
+              <a:rPr lang="en-US" sz="2291">
                 <a:solidFill>
                   <a:srgbClr val="340D24"/>
                 </a:solidFill>
@@ -6659,11 +6621,11 @@
           <a:p>
             <a:pPr>
               <a:lnSpc>
-                <a:spcPts val="5599"/>
+                <a:spcPts val="5759"/>
               </a:lnSpc>
             </a:pPr>
             <a:r>
-              <a:rPr lang="en-US" sz="3499">
+              <a:rPr lang="en-US" sz="3599">
                 <a:solidFill>
                   <a:srgbClr val="340D24"/>
                 </a:solidFill>
@@ -6672,7 +6634,7 @@
               <a:t>-</a:t>
             </a:r>
             <a:r>
-              <a:rPr lang="en-US" sz="2191">
+              <a:rPr lang="en-US" sz="2291">
                 <a:solidFill>
                   <a:srgbClr val="340D24"/>
                 </a:solidFill>
@@ -6684,11 +6646,11 @@
           <a:p>
             <a:pPr>
               <a:lnSpc>
-                <a:spcPts val="5599"/>
+                <a:spcPts val="5759"/>
               </a:lnSpc>
             </a:pPr>
             <a:r>
-              <a:rPr lang="en-US" sz="3499">
+              <a:rPr lang="en-US" sz="3599">
                 <a:solidFill>
                   <a:srgbClr val="340D24"/>
                 </a:solidFill>
@@ -6697,7 +6659,7 @@
               <a:t> - </a:t>
             </a:r>
             <a:r>
-              <a:rPr lang="en-US" sz="2191">
+              <a:rPr lang="en-US" sz="2291">
                 <a:solidFill>
                   <a:srgbClr val="340D24"/>
                 </a:solidFill>
@@ -7001,10 +6963,10 @@
         </p:nvGrpSpPr>
         <p:grpSpPr>
           <a:xfrm rot="0">
-            <a:off x="386250" y="1028700"/>
-            <a:ext cx="12586828" cy="9845593"/>
+            <a:off x="667540" y="0"/>
+            <a:ext cx="20141458" cy="11932051"/>
             <a:chOff x="0" y="0"/>
-            <a:chExt cx="16782437" cy="13127457"/>
+            <a:chExt cx="26855278" cy="15909402"/>
           </a:xfrm>
         </p:grpSpPr>
         <p:sp>
@@ -7015,8 +6977,8 @@
           </p:nvSpPr>
           <p:spPr>
             <a:xfrm rot="0">
-              <a:off x="0" y="-9525"/>
-              <a:ext cx="16782437" cy="2926027"/>
+              <a:off x="0" y="0"/>
+              <a:ext cx="26855278" cy="2875889"/>
             </a:xfrm>
             <a:prstGeom prst="rect">
               <a:avLst/>
@@ -7030,17 +6992,17 @@
             <a:p>
               <a:pPr>
                 <a:lnSpc>
-                  <a:spcPts val="8612"/>
+                  <a:spcPts val="8372"/>
                 </a:lnSpc>
               </a:pPr>
               <a:r>
-                <a:rPr lang="en-US" sz="7176">
+                <a:rPr lang="en-US" sz="6976">
                   <a:solidFill>
                     <a:srgbClr val="340D24"/>
                   </a:solidFill>
                   <a:latin typeface="Noto Serif Display Bold"/>
                 </a:rPr>
-                <a:t>ABOUT THE DATASET</a:t>
+                <a:t>ABOUT THE DATASET &amp; TOOLS</a:t>
               </a:r>
             </a:p>
             <a:p>
@@ -7060,8 +7022,8 @@
           </p:nvSpPr>
           <p:spPr>
             <a:xfrm rot="0">
-              <a:off x="0" y="3372674"/>
-              <a:ext cx="14273911" cy="9754783"/>
+              <a:off x="0" y="3332061"/>
+              <a:ext cx="22841132" cy="12577341"/>
             </a:xfrm>
             <a:prstGeom prst="rect">
               <a:avLst/>
@@ -7075,59 +7037,59 @@
             <a:p>
               <a:pPr>
                 <a:lnSpc>
-                  <a:spcPts val="5822"/>
+                  <a:spcPts val="5759"/>
                 </a:lnSpc>
               </a:pPr>
               <a:r>
-                <a:rPr lang="en-US" sz="3638">
+                <a:rPr lang="en-US" sz="3599">
                   <a:solidFill>
                     <a:srgbClr val="340D24"/>
                   </a:solidFill>
                   <a:latin typeface="Glacial Indifference"/>
                 </a:rPr>
-                <a:t>Dataset Titel / Sephora website</a:t>
+                <a:t>Dataset Titel : Sephora website</a:t>
               </a:r>
             </a:p>
             <a:p>
               <a:pPr>
                 <a:lnSpc>
-                  <a:spcPts val="5822"/>
+                  <a:spcPts val="5759"/>
                 </a:lnSpc>
               </a:pPr>
               <a:r>
-                <a:rPr lang="en-US" sz="2395">
+                <a:rPr lang="en-US" sz="3599">
                   <a:solidFill>
                     <a:srgbClr val="340D24"/>
                   </a:solidFill>
-                  <a:latin typeface="Arimo"/>
+                  <a:latin typeface="Glacial Indifference"/>
                 </a:rPr>
-                <a:t>Taken from the Keggel website</a:t>
+                <a:t>Taken : Keggel website</a:t>
               </a:r>
             </a:p>
             <a:p>
               <a:pPr>
                 <a:lnSpc>
-                  <a:spcPts val="5822"/>
+                  <a:spcPts val="5759"/>
                 </a:lnSpc>
               </a:pPr>
               <a:r>
-                <a:rPr lang="en-US" sz="2395">
+                <a:rPr lang="en-US" sz="3599">
                   <a:solidFill>
                     <a:srgbClr val="340D24"/>
                   </a:solidFill>
-                  <a:latin typeface="Arimo"/>
+                  <a:latin typeface="Glacial Indifference"/>
                 </a:rPr>
-                <a:t>The data contains 9168 rows, 21 columns</a:t>
+                <a:t>The data contains: 9168 rows, 21 columns</a:t>
               </a:r>
             </a:p>
             <a:p>
               <a:pPr>
                 <a:lnSpc>
-                  <a:spcPts val="5822"/>
+                  <a:spcPts val="5759"/>
                 </a:lnSpc>
               </a:pPr>
               <a:r>
-                <a:rPr lang="en-US" sz="3638">
+                <a:rPr lang="en-US" sz="3599">
                   <a:solidFill>
                     <a:srgbClr val="340D24"/>
                   </a:solidFill>
@@ -7139,11 +7101,11 @@
             <a:p>
               <a:pPr>
                 <a:lnSpc>
-                  <a:spcPts val="5822"/>
+                  <a:spcPts val="5759"/>
                 </a:lnSpc>
               </a:pPr>
               <a:r>
-                <a:rPr lang="en-US" sz="3638">
+                <a:rPr lang="en-US" sz="3599">
                   <a:solidFill>
                     <a:srgbClr val="340D24"/>
                   </a:solidFill>
@@ -7155,11 +7117,11 @@
             <a:p>
               <a:pPr>
                 <a:lnSpc>
-                  <a:spcPts val="5822"/>
+                  <a:spcPts val="5759"/>
                 </a:lnSpc>
               </a:pPr>
               <a:r>
-                <a:rPr lang="en-US" sz="3638">
+                <a:rPr lang="en-US" sz="3599">
                   <a:solidFill>
                     <a:srgbClr val="340D24"/>
                   </a:solidFill>
@@ -7171,11 +7133,11 @@
             <a:p>
               <a:pPr>
                 <a:lnSpc>
-                  <a:spcPts val="5822"/>
+                  <a:spcPts val="5759"/>
                 </a:lnSpc>
               </a:pPr>
               <a:r>
-                <a:rPr lang="en-US" sz="3638">
+                <a:rPr lang="en-US" sz="3599">
                   <a:solidFill>
                     <a:srgbClr val="340D24"/>
                   </a:solidFill>
@@ -7187,21 +7149,53 @@
             <a:p>
               <a:pPr>
                 <a:lnSpc>
-                  <a:spcPts val="5822"/>
+                  <a:spcPts val="5759"/>
+                </a:lnSpc>
+              </a:pPr>
+              <a:r>
+                <a:rPr lang="en-US" sz="3599">
+                  <a:solidFill>
+                    <a:srgbClr val="340D24"/>
+                  </a:solidFill>
+                  <a:latin typeface="Glacial Indifference"/>
+                </a:rPr>
+                <a:t>Tools :</a:t>
+              </a:r>
+            </a:p>
+            <a:p>
+              <a:pPr>
+                <a:lnSpc>
+                  <a:spcPts val="5759"/>
+                </a:lnSpc>
+              </a:pPr>
+              <a:r>
+                <a:rPr lang="en-US" sz="3599">
+                  <a:solidFill>
+                    <a:srgbClr val="340D24"/>
+                  </a:solidFill>
+                  <a:latin typeface="Glacial Indifference"/>
+                </a:rPr>
+                <a:t>" Numpay, Matplotlib, Pandas" Of course the work will be done through" Jupyter" notebook </a:t>
+              </a:r>
+            </a:p>
+            <a:p>
+              <a:pPr>
+                <a:lnSpc>
+                  <a:spcPts val="5759"/>
                 </a:lnSpc>
               </a:pPr>
             </a:p>
             <a:p>
               <a:pPr>
                 <a:lnSpc>
-                  <a:spcPts val="5822"/>
+                  <a:spcPts val="5759"/>
                 </a:lnSpc>
               </a:pPr>
             </a:p>
             <a:p>
               <a:pPr algn="l">
                 <a:lnSpc>
-                  <a:spcPts val="5822"/>
+                  <a:spcPts val="5759"/>
                 </a:lnSpc>
               </a:pPr>
             </a:p>
@@ -7557,8 +7551,8 @@
         </p:nvSpPr>
         <p:spPr>
           <a:xfrm rot="0">
-            <a:off x="506305" y="2740128"/>
-            <a:ext cx="8047923" cy="5541626"/>
+            <a:off x="506305" y="3729617"/>
+            <a:ext cx="8047923" cy="4552137"/>
           </a:xfrm>
           <a:prstGeom prst="rect">
             <a:avLst/>
@@ -7572,11 +7566,11 @@
           <a:p>
             <a:pPr>
               <a:lnSpc>
-                <a:spcPts val="6399"/>
+                <a:spcPts val="6079"/>
               </a:lnSpc>
             </a:pPr>
             <a:r>
-              <a:rPr lang="en-US" sz="3999">
+              <a:rPr lang="en-US" sz="3799">
                 <a:solidFill>
                   <a:srgbClr val="340D24"/>
                 </a:solidFill>
@@ -7588,11 +7582,11 @@
           <a:p>
             <a:pPr>
               <a:lnSpc>
-                <a:spcPts val="6399"/>
+                <a:spcPts val="6079"/>
               </a:lnSpc>
             </a:pPr>
             <a:r>
-              <a:rPr lang="en-US" sz="3999">
+              <a:rPr lang="en-US" sz="3799">
                 <a:solidFill>
                   <a:srgbClr val="340D24"/>
                 </a:solidFill>
@@ -7826,10 +7820,10 @@
         </p:nvGrpSpPr>
         <p:grpSpPr>
           <a:xfrm rot="0">
-            <a:off x="421952" y="322664"/>
-            <a:ext cx="17866048" cy="7410369"/>
+            <a:off x="421952" y="283477"/>
+            <a:ext cx="17866048" cy="7488742"/>
             <a:chOff x="0" y="0"/>
-            <a:chExt cx="23821397" cy="9880492"/>
+            <a:chExt cx="23821397" cy="9984989"/>
           </a:xfrm>
         </p:grpSpPr>
         <p:sp>
@@ -7886,7 +7880,7 @@
           <p:spPr>
             <a:xfrm rot="0">
               <a:off x="0" y="4809181"/>
-              <a:ext cx="23821397" cy="5071310"/>
+              <a:ext cx="23821397" cy="5175807"/>
             </a:xfrm>
             <a:prstGeom prst="rect">
               <a:avLst/>
@@ -7900,15 +7894,15 @@
             <a:p>
               <a:pPr>
                 <a:lnSpc>
-                  <a:spcPts val="5081"/>
+                  <a:spcPts val="5241"/>
                 </a:lnSpc>
               </a:pPr>
               <a:r>
-                <a:rPr lang="en-US" sz="3176">
+                <a:rPr lang="en-US" sz="3276">
                   <a:solidFill>
                     <a:srgbClr val="340D24"/>
                   </a:solidFill>
-                  <a:latin typeface="Glacial Indifference Bold"/>
+                  <a:latin typeface="Glacial Indifference"/>
                 </a:rPr>
                 <a:t>Through the following chart, we found that there are</a:t>
               </a:r>
@@ -7916,15 +7910,15 @@
             <a:p>
               <a:pPr>
                 <a:lnSpc>
-                  <a:spcPts val="5081"/>
+                  <a:spcPts val="5241"/>
                 </a:lnSpc>
               </a:pPr>
               <a:r>
-                <a:rPr lang="en-US" sz="3176">
+                <a:rPr lang="en-US" sz="3276">
                   <a:solidFill>
                     <a:srgbClr val="340D24"/>
                   </a:solidFill>
-                  <a:latin typeface="Glacial Indifference Bold"/>
+                  <a:latin typeface="Glacial Indifference"/>
                 </a:rPr>
                 <a:t> about 872 products that have a rating of 5.0,</a:t>
               </a:r>
@@ -7932,15 +7926,15 @@
             <a:p>
               <a:pPr>
                 <a:lnSpc>
-                  <a:spcPts val="5081"/>
+                  <a:spcPts val="5241"/>
                 </a:lnSpc>
               </a:pPr>
               <a:r>
-                <a:rPr lang="en-US" sz="3176">
+                <a:rPr lang="en-US" sz="3276">
                   <a:solidFill>
                     <a:srgbClr val="340D24"/>
                   </a:solidFill>
-                  <a:latin typeface="Glacial Indifference Bold"/>
+                  <a:latin typeface="Glacial Indifference"/>
                 </a:rPr>
                 <a:t> we also noticed that there are 3527 products that have a</a:t>
               </a:r>
@@ -7948,15 +7942,15 @@
             <a:p>
               <a:pPr>
                 <a:lnSpc>
-                  <a:spcPts val="5081"/>
+                  <a:spcPts val="5241"/>
                 </a:lnSpc>
               </a:pPr>
               <a:r>
-                <a:rPr lang="en-US" sz="3176">
+                <a:rPr lang="en-US" sz="3276">
                   <a:solidFill>
                     <a:srgbClr val="340D24"/>
                   </a:solidFill>
-                  <a:latin typeface="Glacial Indifference Bold"/>
+                  <a:latin typeface="Glacial Indifference"/>
                 </a:rPr>
                 <a:t> rating of 4.5</a:t>
               </a:r>

--- a/Presentation.pptx
+++ b/Presentation.pptx
@@ -4697,7 +4697,7 @@
         <p:spPr>
           <a:xfrm rot="0">
             <a:off x="9144000" y="2598072"/>
-            <a:ext cx="9001904" cy="5080397"/>
+            <a:ext cx="9001904" cy="7000578"/>
           </a:xfrm>
           <a:prstGeom prst="rect">
             <a:avLst/>
@@ -4721,7 +4721,7 @@
                 </a:solidFill>
                 <a:latin typeface="Glacial Indifference"/>
               </a:rPr>
-              <a:t>Sephora is one of the best shopping destinations in the world, as it has many categories, and many highly rating products that are preferred by many people.</a:t>
+              <a:t>- Sephora is one of the best shopping destinations in the world</a:t>
             </a:r>
           </a:p>
           <a:p>
@@ -4735,9 +4735,9 @@
                 <a:solidFill>
                   <a:srgbClr val="340D24"/>
                 </a:solidFill>
-                <a:latin typeface="Arimo"/>
+                <a:latin typeface="Glacial Indifference"/>
               </a:rPr>
-              <a:t>- Improving customer experience</a:t>
+              <a:t>- It has many categories , and many highly rated products, which are preferred by many people.</a:t>
             </a:r>
           </a:p>
           <a:p>
@@ -4751,10 +4751,40 @@
                 <a:solidFill>
                   <a:srgbClr val="340D24"/>
                 </a:solidFill>
-                <a:latin typeface="Arimo"/>
+                <a:latin typeface="Glacial Indifference"/>
+              </a:rPr>
+              <a:t>- Improving customer experience</a:t>
+            </a:r>
+          </a:p>
+          <a:p>
+            <a:pPr algn="ctr">
+              <a:lnSpc>
+                <a:spcPts val="5040"/>
+              </a:lnSpc>
+            </a:pPr>
+            <a:r>
+              <a:rPr lang="en-US" sz="3600">
+                <a:solidFill>
+                  <a:srgbClr val="340D24"/>
+                </a:solidFill>
+                <a:latin typeface="Glacial Indifference"/>
               </a:rPr>
               <a:t>- Get more revenue</a:t>
             </a:r>
+          </a:p>
+          <a:p>
+            <a:pPr algn="ctr">
+              <a:lnSpc>
+                <a:spcPts val="5040"/>
+              </a:lnSpc>
+            </a:pPr>
+          </a:p>
+          <a:p>
+            <a:pPr algn="ctr">
+              <a:lnSpc>
+                <a:spcPts val="5040"/>
+              </a:lnSpc>
+            </a:pPr>
           </a:p>
           <a:p>
             <a:pPr algn="ctr">
